--- a/Images/Nametag.pptx
+++ b/Images/Nametag.pptx
@@ -104,6 +104,11 @@
       </a:defRPr>
     </a:lvl9pPr>
   </p:defaultTextStyle>
+  <p:extLst>
+    <p:ext uri="{EFAFB233-063F-42B5-8137-9DF3F51BA10A}">
+      <p15:sldGuideLst xmlns:p15="http://schemas.microsoft.com/office/powerpoint/2012/main"/>
+    </p:ext>
+  </p:extLst>
 </p:presentation>
 </file>
 
@@ -2986,8 +2991,8 @@
             </p:nvSpPr>
             <p:spPr>
               <a:xfrm>
-                <a:off x="457200" y="365760"/>
-                <a:ext cx="2467897" cy="1200329"/>
+                <a:off x="427703" y="306768"/>
+                <a:ext cx="3977150" cy="1015663"/>
               </a:xfrm>
               <a:prstGeom prst="rect">
                 <a:avLst/>
@@ -3000,14 +3005,15 @@
               </a:bodyPr>
               <a:lstStyle/>
               <a:p>
+                <a:pPr/>
                 <a14:m>
                   <m:oMathPara xmlns:m="http://schemas.openxmlformats.org/officeDocument/2006/math">
                     <m:oMathParaPr>
-                      <m:jc m:val="centerGroup"/>
+                      <m:jc m:val="left"/>
                     </m:oMathParaPr>
                     <m:oMath xmlns:m="http://schemas.openxmlformats.org/officeDocument/2006/math">
                       <m:r>
-                        <a:rPr lang="en-US" sz="7200" i="1" smtClean="0">
+                        <a:rPr lang="en-US" sz="6000" i="1" smtClean="0">
                           <a:gradFill>
                             <a:gsLst>
                               <a:gs pos="0">
@@ -3029,7 +3035,7 @@
                     </m:oMath>
                   </m:oMathPara>
                 </a14:m>
-                <a:endParaRPr lang="en-US" sz="7200" dirty="0">
+                <a:endParaRPr lang="en-US" sz="6000" dirty="0">
                   <a:gradFill>
                     <a:gsLst>
                       <a:gs pos="0">
@@ -3066,8 +3072,8 @@
             </p:nvSpPr>
             <p:spPr>
               <a:xfrm>
-                <a:off x="457200" y="365760"/>
-                <a:ext cx="2467897" cy="1200329"/>
+                <a:off x="427703" y="306768"/>
+                <a:ext cx="3977150" cy="1015663"/>
               </a:xfrm>
               <a:prstGeom prst="rect">
                 <a:avLst/>
@@ -3075,7 +3081,7 @@
               <a:blipFill>
                 <a:blip r:embed="rId2"/>
                 <a:stretch>
-                  <a:fillRect r="-51605"/>
+                  <a:fillRect/>
                 </a:stretch>
               </a:blipFill>
             </p:spPr>
@@ -3110,8 +3116,8 @@
             </p:nvSpPr>
             <p:spPr>
               <a:xfrm>
-                <a:off x="1868129" y="1657529"/>
-                <a:ext cx="2113935" cy="1200329"/>
+                <a:off x="427705" y="1628033"/>
+                <a:ext cx="4291784" cy="1015663"/>
               </a:xfrm>
               <a:prstGeom prst="rect">
                 <a:avLst/>
@@ -3124,14 +3130,15 @@
               </a:bodyPr>
               <a:lstStyle/>
               <a:p>
+                <a:pPr/>
                 <a14:m>
                   <m:oMathPara xmlns:m="http://schemas.openxmlformats.org/officeDocument/2006/math">
                     <m:oMathParaPr>
-                      <m:jc m:val="centerGroup"/>
+                      <m:jc m:val="right"/>
                     </m:oMathParaPr>
                     <m:oMath xmlns:m="http://schemas.openxmlformats.org/officeDocument/2006/math">
                       <m:r>
-                        <a:rPr lang="en-US" sz="7200" i="1" smtClean="0">
+                        <a:rPr lang="en-US" sz="6000" i="1" smtClean="0">
                           <a:gradFill>
                             <a:gsLst>
                               <a:gs pos="0">
@@ -3151,7 +3158,7 @@
                         <m:t>ℳ𝒸𝒞</m:t>
                       </m:r>
                       <m:r>
-                        <a:rPr lang="en-US" sz="7200" i="1">
+                        <a:rPr lang="en-US" sz="6000" i="1">
                           <a:gradFill>
                             <a:gsLst>
                               <a:gs pos="0">
@@ -3173,7 +3180,7 @@
                     </m:oMath>
                   </m:oMathPara>
                 </a14:m>
-                <a:endParaRPr lang="en-US" sz="7200" dirty="0">
+                <a:endParaRPr lang="en-US" sz="6000" dirty="0">
                   <a:gradFill>
                     <a:gsLst>
                       <a:gs pos="0">
@@ -3210,8 +3217,8 @@
             </p:nvSpPr>
             <p:spPr>
               <a:xfrm>
-                <a:off x="1868129" y="1657529"/>
-                <a:ext cx="2113935" cy="1200329"/>
+                <a:off x="427705" y="1628033"/>
+                <a:ext cx="4291784" cy="1015663"/>
               </a:xfrm>
               <a:prstGeom prst="rect">
                 <a:avLst/>
@@ -3219,7 +3226,7 @@
               <a:blipFill>
                 <a:blip r:embed="rId3"/>
                 <a:stretch>
-                  <a:fillRect r="-57925"/>
+                  <a:fillRect/>
                 </a:stretch>
               </a:blipFill>
             </p:spPr>
@@ -3274,8 +3281,8 @@
         </p:blipFill>
         <p:spPr>
           <a:xfrm>
-            <a:off x="4434350" y="365760"/>
-            <a:ext cx="875070" cy="875070"/>
+            <a:off x="3784937" y="182880"/>
+            <a:ext cx="1139551" cy="1139551"/>
           </a:xfrm>
           <a:prstGeom prst="rect">
             <a:avLst/>
@@ -3319,8 +3326,8 @@
         </p:blipFill>
         <p:spPr>
           <a:xfrm>
-            <a:off x="457200" y="2017184"/>
-            <a:ext cx="1017639" cy="1017639"/>
+            <a:off x="319548" y="1502267"/>
+            <a:ext cx="1312607" cy="1312607"/>
           </a:xfrm>
           <a:prstGeom prst="rect">
             <a:avLst/>
@@ -3341,66 +3348,58 @@
         </p:nvSpPr>
         <p:spPr>
           <a:xfrm>
-            <a:off x="88490" y="85166"/>
-            <a:ext cx="5555226" cy="3343834"/>
+            <a:off x="182880" y="182880"/>
+            <a:ext cx="4800600" cy="2743200"/>
           </a:xfrm>
           <a:custGeom>
             <a:avLst/>
             <a:gdLst>
-              <a:gd name="connsiteX0" fmla="*/ 0 w 5555226"/>
-              <a:gd name="connsiteY0" fmla="*/ 0 h 3343834"/>
-              <a:gd name="connsiteX1" fmla="*/ 694403 w 5555226"/>
-              <a:gd name="connsiteY1" fmla="*/ 0 h 3343834"/>
-              <a:gd name="connsiteX2" fmla="*/ 1444359 w 5555226"/>
-              <a:gd name="connsiteY2" fmla="*/ 0 h 3343834"/>
-              <a:gd name="connsiteX3" fmla="*/ 2083210 w 5555226"/>
-              <a:gd name="connsiteY3" fmla="*/ 0 h 3343834"/>
-              <a:gd name="connsiteX4" fmla="*/ 2666508 w 5555226"/>
-              <a:gd name="connsiteY4" fmla="*/ 0 h 3343834"/>
-              <a:gd name="connsiteX5" fmla="*/ 3249807 w 5555226"/>
-              <a:gd name="connsiteY5" fmla="*/ 0 h 3343834"/>
-              <a:gd name="connsiteX6" fmla="*/ 3833106 w 5555226"/>
-              <a:gd name="connsiteY6" fmla="*/ 0 h 3343834"/>
-              <a:gd name="connsiteX7" fmla="*/ 4638614 w 5555226"/>
-              <a:gd name="connsiteY7" fmla="*/ 0 h 3343834"/>
-              <a:gd name="connsiteX8" fmla="*/ 5555226 w 5555226"/>
-              <a:gd name="connsiteY8" fmla="*/ 0 h 3343834"/>
-              <a:gd name="connsiteX9" fmla="*/ 5555226 w 5555226"/>
-              <a:gd name="connsiteY9" fmla="*/ 635328 h 3343834"/>
-              <a:gd name="connsiteX10" fmla="*/ 5555226 w 5555226"/>
-              <a:gd name="connsiteY10" fmla="*/ 1337534 h 3343834"/>
-              <a:gd name="connsiteX11" fmla="*/ 5555226 w 5555226"/>
-              <a:gd name="connsiteY11" fmla="*/ 2073177 h 3343834"/>
-              <a:gd name="connsiteX12" fmla="*/ 5555226 w 5555226"/>
-              <a:gd name="connsiteY12" fmla="*/ 2708506 h 3343834"/>
-              <a:gd name="connsiteX13" fmla="*/ 5555226 w 5555226"/>
-              <a:gd name="connsiteY13" fmla="*/ 3343834 h 3343834"/>
-              <a:gd name="connsiteX14" fmla="*/ 4971927 w 5555226"/>
-              <a:gd name="connsiteY14" fmla="*/ 3343834 h 3343834"/>
-              <a:gd name="connsiteX15" fmla="*/ 4166420 w 5555226"/>
-              <a:gd name="connsiteY15" fmla="*/ 3343834 h 3343834"/>
-              <a:gd name="connsiteX16" fmla="*/ 3638673 w 5555226"/>
-              <a:gd name="connsiteY16" fmla="*/ 3343834 h 3343834"/>
-              <a:gd name="connsiteX17" fmla="*/ 2944270 w 5555226"/>
-              <a:gd name="connsiteY17" fmla="*/ 3343834 h 3343834"/>
-              <a:gd name="connsiteX18" fmla="*/ 2416523 w 5555226"/>
-              <a:gd name="connsiteY18" fmla="*/ 3343834 h 3343834"/>
-              <a:gd name="connsiteX19" fmla="*/ 1833225 w 5555226"/>
-              <a:gd name="connsiteY19" fmla="*/ 3343834 h 3343834"/>
-              <a:gd name="connsiteX20" fmla="*/ 1138821 w 5555226"/>
-              <a:gd name="connsiteY20" fmla="*/ 3343834 h 3343834"/>
-              <a:gd name="connsiteX21" fmla="*/ 0 w 5555226"/>
-              <a:gd name="connsiteY21" fmla="*/ 3343834 h 3343834"/>
-              <a:gd name="connsiteX22" fmla="*/ 0 w 5555226"/>
-              <a:gd name="connsiteY22" fmla="*/ 2708506 h 3343834"/>
-              <a:gd name="connsiteX23" fmla="*/ 0 w 5555226"/>
-              <a:gd name="connsiteY23" fmla="*/ 2073177 h 3343834"/>
-              <a:gd name="connsiteX24" fmla="*/ 0 w 5555226"/>
-              <a:gd name="connsiteY24" fmla="*/ 1437849 h 3343834"/>
-              <a:gd name="connsiteX25" fmla="*/ 0 w 5555226"/>
-              <a:gd name="connsiteY25" fmla="*/ 802520 h 3343834"/>
-              <a:gd name="connsiteX26" fmla="*/ 0 w 5555226"/>
-              <a:gd name="connsiteY26" fmla="*/ 0 h 3343834"/>
+              <a:gd name="connsiteX0" fmla="*/ 0 w 4800600"/>
+              <a:gd name="connsiteY0" fmla="*/ 0 h 2743200"/>
+              <a:gd name="connsiteX1" fmla="*/ 685800 w 4800600"/>
+              <a:gd name="connsiteY1" fmla="*/ 0 h 2743200"/>
+              <a:gd name="connsiteX2" fmla="*/ 1419606 w 4800600"/>
+              <a:gd name="connsiteY2" fmla="*/ 0 h 2743200"/>
+              <a:gd name="connsiteX3" fmla="*/ 2057400 w 4800600"/>
+              <a:gd name="connsiteY3" fmla="*/ 0 h 2743200"/>
+              <a:gd name="connsiteX4" fmla="*/ 2647188 w 4800600"/>
+              <a:gd name="connsiteY4" fmla="*/ 0 h 2743200"/>
+              <a:gd name="connsiteX5" fmla="*/ 3236976 w 4800600"/>
+              <a:gd name="connsiteY5" fmla="*/ 0 h 2743200"/>
+              <a:gd name="connsiteX6" fmla="*/ 3826764 w 4800600"/>
+              <a:gd name="connsiteY6" fmla="*/ 0 h 2743200"/>
+              <a:gd name="connsiteX7" fmla="*/ 4800600 w 4800600"/>
+              <a:gd name="connsiteY7" fmla="*/ 0 h 2743200"/>
+              <a:gd name="connsiteX8" fmla="*/ 4800600 w 4800600"/>
+              <a:gd name="connsiteY8" fmla="*/ 685800 h 2743200"/>
+              <a:gd name="connsiteX9" fmla="*/ 4800600 w 4800600"/>
+              <a:gd name="connsiteY9" fmla="*/ 1426464 h 2743200"/>
+              <a:gd name="connsiteX10" fmla="*/ 4800600 w 4800600"/>
+              <a:gd name="connsiteY10" fmla="*/ 2139696 h 2743200"/>
+              <a:gd name="connsiteX11" fmla="*/ 4800600 w 4800600"/>
+              <a:gd name="connsiteY11" fmla="*/ 2743200 h 2743200"/>
+              <a:gd name="connsiteX12" fmla="*/ 4162806 w 4800600"/>
+              <a:gd name="connsiteY12" fmla="*/ 2743200 h 2743200"/>
+              <a:gd name="connsiteX13" fmla="*/ 3477006 w 4800600"/>
+              <a:gd name="connsiteY13" fmla="*/ 2743200 h 2743200"/>
+              <a:gd name="connsiteX14" fmla="*/ 2743200 w 4800600"/>
+              <a:gd name="connsiteY14" fmla="*/ 2743200 h 2743200"/>
+              <a:gd name="connsiteX15" fmla="*/ 1961388 w 4800600"/>
+              <a:gd name="connsiteY15" fmla="*/ 2743200 h 2743200"/>
+              <a:gd name="connsiteX16" fmla="*/ 1419606 w 4800600"/>
+              <a:gd name="connsiteY16" fmla="*/ 2743200 h 2743200"/>
+              <a:gd name="connsiteX17" fmla="*/ 733806 w 4800600"/>
+              <a:gd name="connsiteY17" fmla="*/ 2743200 h 2743200"/>
+              <a:gd name="connsiteX18" fmla="*/ 0 w 4800600"/>
+              <a:gd name="connsiteY18" fmla="*/ 2743200 h 2743200"/>
+              <a:gd name="connsiteX19" fmla="*/ 0 w 4800600"/>
+              <a:gd name="connsiteY19" fmla="*/ 2112264 h 2743200"/>
+              <a:gd name="connsiteX20" fmla="*/ 0 w 4800600"/>
+              <a:gd name="connsiteY20" fmla="*/ 1426464 h 2743200"/>
+              <a:gd name="connsiteX21" fmla="*/ 0 w 4800600"/>
+              <a:gd name="connsiteY21" fmla="*/ 822960 h 2743200"/>
+              <a:gd name="connsiteX22" fmla="*/ 0 w 4800600"/>
+              <a:gd name="connsiteY22" fmla="*/ 0 h 2743200"/>
             </a:gdLst>
             <a:ahLst/>
             <a:cxnLst>
@@ -3473,153 +3472,121 @@
               <a:cxn ang="0">
                 <a:pos x="connsiteX22" y="connsiteY22"/>
               </a:cxn>
-              <a:cxn ang="0">
-                <a:pos x="connsiteX23" y="connsiteY23"/>
-              </a:cxn>
-              <a:cxn ang="0">
-                <a:pos x="connsiteX24" y="connsiteY24"/>
-              </a:cxn>
-              <a:cxn ang="0">
-                <a:pos x="connsiteX25" y="connsiteY25"/>
-              </a:cxn>
-              <a:cxn ang="0">
-                <a:pos x="connsiteX26" y="connsiteY26"/>
-              </a:cxn>
             </a:cxnLst>
             <a:rect l="l" t="t" r="r" b="b"/>
             <a:pathLst>
-              <a:path w="5555226" h="3343834" extrusionOk="0">
+              <a:path w="4800600" h="2743200" extrusionOk="0">
                 <a:moveTo>
                   <a:pt x="0" y="0"/>
                 </a:moveTo>
                 <a:cubicBezTo>
-                  <a:pt x="321394" y="8447"/>
-                  <a:pt x="382471" y="-10382"/>
-                  <a:pt x="694403" y="0"/>
+                  <a:pt x="225462" y="-24104"/>
+                  <a:pt x="516195" y="27305"/>
+                  <a:pt x="685800" y="0"/>
                 </a:cubicBezTo>
                 <a:cubicBezTo>
-                  <a:pt x="1006335" y="10382"/>
-                  <a:pt x="1138083" y="-18133"/>
-                  <a:pt x="1444359" y="0"/>
+                  <a:pt x="855405" y="-27305"/>
+                  <a:pt x="1214643" y="-772"/>
+                  <a:pt x="1419606" y="0"/>
                 </a:cubicBezTo>
                 <a:cubicBezTo>
-                  <a:pt x="1750635" y="18133"/>
-                  <a:pt x="1855283" y="11257"/>
-                  <a:pt x="2083210" y="0"/>
+                  <a:pt x="1624569" y="772"/>
+                  <a:pt x="1882163" y="16847"/>
+                  <a:pt x="2057400" y="0"/>
                 </a:cubicBezTo>
                 <a:cubicBezTo>
-                  <a:pt x="2311137" y="-11257"/>
-                  <a:pt x="2393740" y="-950"/>
-                  <a:pt x="2666508" y="0"/>
+                  <a:pt x="2232637" y="-16847"/>
+                  <a:pt x="2398884" y="1496"/>
+                  <a:pt x="2647188" y="0"/>
                 </a:cubicBezTo>
                 <a:cubicBezTo>
-                  <a:pt x="2939276" y="950"/>
-                  <a:pt x="3091987" y="-27734"/>
-                  <a:pt x="3249807" y="0"/>
+                  <a:pt x="2895492" y="-1496"/>
+                  <a:pt x="2979156" y="-25626"/>
+                  <a:pt x="3236976" y="0"/>
                 </a:cubicBezTo>
                 <a:cubicBezTo>
-                  <a:pt x="3407627" y="27734"/>
-                  <a:pt x="3659104" y="6010"/>
-                  <a:pt x="3833106" y="0"/>
+                  <a:pt x="3494796" y="25626"/>
+                  <a:pt x="3595758" y="26798"/>
+                  <a:pt x="3826764" y="0"/>
                 </a:cubicBezTo>
                 <a:cubicBezTo>
-                  <a:pt x="4007108" y="-6010"/>
-                  <a:pt x="4339179" y="-17395"/>
-                  <a:pt x="4638614" y="0"/>
+                  <a:pt x="4057770" y="-26798"/>
+                  <a:pt x="4520304" y="-24412"/>
+                  <a:pt x="4800600" y="0"/>
                 </a:cubicBezTo>
                 <a:cubicBezTo>
-                  <a:pt x="4938049" y="17395"/>
-                  <a:pt x="5251790" y="36414"/>
-                  <a:pt x="5555226" y="0"/>
+                  <a:pt x="4777462" y="292516"/>
+                  <a:pt x="4789154" y="383974"/>
+                  <a:pt x="4800600" y="685800"/>
                 </a:cubicBezTo>
                 <a:cubicBezTo>
-                  <a:pt x="5566747" y="147039"/>
-                  <a:pt x="5578031" y="381604"/>
-                  <a:pt x="5555226" y="635328"/>
+                  <a:pt x="4812046" y="987626"/>
+                  <a:pt x="4778329" y="1235001"/>
+                  <a:pt x="4800600" y="1426464"/>
                 </a:cubicBezTo>
                 <a:cubicBezTo>
-                  <a:pt x="5532421" y="889052"/>
-                  <a:pt x="5541214" y="1050226"/>
-                  <a:pt x="5555226" y="1337534"/>
+                  <a:pt x="4822871" y="1617927"/>
+                  <a:pt x="4804860" y="1825626"/>
+                  <a:pt x="4800600" y="2139696"/>
                 </a:cubicBezTo>
                 <a:cubicBezTo>
-                  <a:pt x="5569238" y="1624842"/>
-                  <a:pt x="5529470" y="1724729"/>
-                  <a:pt x="5555226" y="2073177"/>
+                  <a:pt x="4796340" y="2453766"/>
+                  <a:pt x="4820121" y="2555275"/>
+                  <a:pt x="4800600" y="2743200"/>
                 </a:cubicBezTo>
                 <a:cubicBezTo>
-                  <a:pt x="5580982" y="2421625"/>
-                  <a:pt x="5568865" y="2410165"/>
-                  <a:pt x="5555226" y="2708506"/>
+                  <a:pt x="4495707" y="2762889"/>
+                  <a:pt x="4472602" y="2758676"/>
+                  <a:pt x="4162806" y="2743200"/>
                 </a:cubicBezTo>
                 <a:cubicBezTo>
-                  <a:pt x="5541587" y="3006847"/>
-                  <a:pt x="5523525" y="3199716"/>
-                  <a:pt x="5555226" y="3343834"/>
+                  <a:pt x="3853010" y="2727724"/>
+                  <a:pt x="3802300" y="2774081"/>
+                  <a:pt x="3477006" y="2743200"/>
                 </a:cubicBezTo>
                 <a:cubicBezTo>
-                  <a:pt x="5298812" y="3339348"/>
-                  <a:pt x="5106935" y="3330328"/>
-                  <a:pt x="4971927" y="3343834"/>
+                  <a:pt x="3151712" y="2712319"/>
+                  <a:pt x="2997403" y="2771143"/>
+                  <a:pt x="2743200" y="2743200"/>
                 </a:cubicBezTo>
                 <a:cubicBezTo>
-                  <a:pt x="4836919" y="3357340"/>
-                  <a:pt x="4468088" y="3345199"/>
-                  <a:pt x="4166420" y="3343834"/>
+                  <a:pt x="2488997" y="2715257"/>
+                  <a:pt x="2173877" y="2769994"/>
+                  <a:pt x="1961388" y="2743200"/>
                 </a:cubicBezTo>
                 <a:cubicBezTo>
-                  <a:pt x="3864752" y="3342469"/>
-                  <a:pt x="3781032" y="3346728"/>
-                  <a:pt x="3638673" y="3343834"/>
+                  <a:pt x="1748899" y="2716406"/>
+                  <a:pt x="1673048" y="2764097"/>
+                  <a:pt x="1419606" y="2743200"/>
                 </a:cubicBezTo>
                 <a:cubicBezTo>
-                  <a:pt x="3496314" y="3340940"/>
-                  <a:pt x="3178160" y="3342639"/>
-                  <a:pt x="2944270" y="3343834"/>
+                  <a:pt x="1166164" y="2722303"/>
+                  <a:pt x="1017042" y="2719708"/>
+                  <a:pt x="733806" y="2743200"/>
                 </a:cubicBezTo>
                 <a:cubicBezTo>
-                  <a:pt x="2710380" y="3345029"/>
-                  <a:pt x="2585066" y="3330666"/>
-                  <a:pt x="2416523" y="3343834"/>
+                  <a:pt x="450570" y="2766692"/>
+                  <a:pt x="312246" y="2725083"/>
+                  <a:pt x="0" y="2743200"/>
                 </a:cubicBezTo>
                 <a:cubicBezTo>
-                  <a:pt x="2247980" y="3357002"/>
-                  <a:pt x="2054452" y="3337970"/>
-                  <a:pt x="1833225" y="3343834"/>
+                  <a:pt x="26524" y="2535284"/>
+                  <a:pt x="-4939" y="2360024"/>
+                  <a:pt x="0" y="2112264"/>
                 </a:cubicBezTo>
                 <a:cubicBezTo>
-                  <a:pt x="1611998" y="3349698"/>
-                  <a:pt x="1381211" y="3366300"/>
-                  <a:pt x="1138821" y="3343834"/>
+                  <a:pt x="4939" y="1864504"/>
+                  <a:pt x="-16677" y="1737146"/>
+                  <a:pt x="0" y="1426464"/>
                 </a:cubicBezTo>
                 <a:cubicBezTo>
-                  <a:pt x="896431" y="3321368"/>
-                  <a:pt x="257093" y="3392895"/>
-                  <a:pt x="0" y="3343834"/>
+                  <a:pt x="16677" y="1115782"/>
+                  <a:pt x="2208" y="947126"/>
+                  <a:pt x="0" y="822960"/>
                 </a:cubicBezTo>
                 <a:cubicBezTo>
-                  <a:pt x="-18922" y="3158057"/>
-                  <a:pt x="26546" y="2883080"/>
-                  <a:pt x="0" y="2708506"/>
-                </a:cubicBezTo>
-                <a:cubicBezTo>
-                  <a:pt x="-26546" y="2533932"/>
-                  <a:pt x="-30351" y="2282194"/>
-                  <a:pt x="0" y="2073177"/>
-                </a:cubicBezTo>
-                <a:cubicBezTo>
-                  <a:pt x="30351" y="1864160"/>
-                  <a:pt x="130" y="1620812"/>
-                  <a:pt x="0" y="1437849"/>
-                </a:cubicBezTo>
-                <a:cubicBezTo>
-                  <a:pt x="-130" y="1254886"/>
-                  <a:pt x="21736" y="964031"/>
-                  <a:pt x="0" y="802520"/>
-                </a:cubicBezTo>
-                <a:cubicBezTo>
-                  <a:pt x="-21736" y="641009"/>
-                  <a:pt x="33055" y="350087"/>
+                  <a:pt x="-2208" y="698794"/>
+                  <a:pt x="39700" y="347269"/>
                   <a:pt x="0" y="0"/>
                 </a:cubicBezTo>
                 <a:close/>

--- a/Images/Nametag.pptx
+++ b/Images/Nametag.pptx
@@ -2973,6 +2973,50 @@
           <a:chExt cx="0" cy="0"/>
         </a:xfrm>
       </p:grpSpPr>
+      <p:pic>
+        <p:nvPicPr>
+          <p:cNvPr id="5" name="Picture 4" descr="A black background with a black square&#10;&#10;Description automatically generated with medium confidence">
+            <a:extLst>
+              <a:ext uri="{FF2B5EF4-FFF2-40B4-BE49-F238E27FC236}">
+                <a16:creationId xmlns:a16="http://schemas.microsoft.com/office/drawing/2014/main" id="{94208A97-C041-2D56-C8F0-2DBC07F25086}"/>
+              </a:ext>
+            </a:extLst>
+          </p:cNvPr>
+          <p:cNvPicPr>
+            <a:picLocks noChangeAspect="1"/>
+          </p:cNvPicPr>
+          <p:nvPr/>
+        </p:nvPicPr>
+        <p:blipFill>
+          <a:blip r:embed="rId2">
+            <a:duotone>
+              <a:schemeClr val="accent1">
+                <a:shade val="45000"/>
+                <a:satMod val="135000"/>
+              </a:schemeClr>
+              <a:prstClr val="white"/>
+            </a:duotone>
+            <a:alphaModFix amt="3000"/>
+            <a:extLst>
+              <a:ext uri="{28A0092B-C50C-407E-A947-70E740481C1C}">
+                <a14:useLocalDpi xmlns:a14="http://schemas.microsoft.com/office/drawing/2010/main" val="0"/>
+              </a:ext>
+            </a:extLst>
+          </a:blip>
+          <a:stretch>
+            <a:fillRect/>
+          </a:stretch>
+        </p:blipFill>
+        <p:spPr>
+          <a:xfrm>
+            <a:off x="377562" y="-347222"/>
+            <a:ext cx="3526288" cy="3235369"/>
+          </a:xfrm>
+          <a:prstGeom prst="rect">
+            <a:avLst/>
+          </a:prstGeom>
+        </p:spPr>
+      </p:pic>
       <mc:AlternateContent xmlns:mc="http://schemas.openxmlformats.org/markup-compatibility/2006">
         <mc:Choice xmlns:a14="http://schemas.microsoft.com/office/drawing/2010/main" Requires="a14">
           <p:sp>
@@ -2991,8 +3035,8 @@
             </p:nvSpPr>
             <p:spPr>
               <a:xfrm>
-                <a:off x="427703" y="306768"/>
-                <a:ext cx="3977150" cy="1015663"/>
+                <a:off x="377562" y="501022"/>
+                <a:ext cx="3977150" cy="769441"/>
               </a:xfrm>
               <a:prstGeom prst="rect">
                 <a:avLst/>
@@ -3013,16 +3057,16 @@
                     </m:oMathParaPr>
                     <m:oMath xmlns:m="http://schemas.openxmlformats.org/officeDocument/2006/math">
                       <m:r>
-                        <a:rPr lang="en-US" sz="6000" i="1" smtClean="0">
+                        <a:rPr lang="en-US" sz="4400" i="1" smtClean="0">
                           <a:gradFill>
                             <a:gsLst>
                               <a:gs pos="0">
                                 <a:schemeClr val="tx1"/>
                               </a:gs>
-                              <a:gs pos="100000">
+                              <a:gs pos="75000">
                                 <a:schemeClr val="tx2">
-                                  <a:lumMod val="50000"/>
-                                  <a:lumOff val="50000"/>
+                                  <a:lumMod val="75000"/>
+                                  <a:lumOff val="25000"/>
                                 </a:schemeClr>
                               </a:gs>
                             </a:gsLst>
@@ -3030,7 +3074,27 @@
                           </a:gradFill>
                           <a:latin typeface="Cambria Math" panose="02040503050406030204" pitchFamily="18" charset="0"/>
                         </a:rPr>
-                        <m:t>ℛℴ𝒹𝓃ℯ𝓎</m:t>
+                        <m:t>ℛℴ𝒹𝓃</m:t>
+                      </m:r>
+                      <m:r>
+                        <a:rPr lang="en-US" sz="4400" i="1" smtClean="0">
+                          <a:gradFill>
+                            <a:gsLst>
+                              <a:gs pos="0">
+                                <a:schemeClr val="tx1"/>
+                              </a:gs>
+                              <a:gs pos="75000">
+                                <a:schemeClr val="tx2">
+                                  <a:lumMod val="75000"/>
+                                  <a:lumOff val="25000"/>
+                                </a:schemeClr>
+                              </a:gs>
+                            </a:gsLst>
+                            <a:lin ang="2700000" scaled="0"/>
+                          </a:gradFill>
+                          <a:latin typeface="Cambria Math" panose="02040503050406030204" pitchFamily="18" charset="0"/>
+                        </a:rPr>
+                        <m:t>ℯ𝓎</m:t>
                       </m:r>
                     </m:oMath>
                   </m:oMathPara>
@@ -3072,14 +3136,14 @@
             </p:nvSpPr>
             <p:spPr>
               <a:xfrm>
-                <a:off x="427703" y="306768"/>
-                <a:ext cx="3977150" cy="1015663"/>
+                <a:off x="377562" y="501022"/>
+                <a:ext cx="3977150" cy="769441"/>
               </a:xfrm>
               <a:prstGeom prst="rect">
                 <a:avLst/>
               </a:prstGeom>
               <a:blipFill>
-                <a:blip r:embed="rId2"/>
+                <a:blip r:embed="rId3"/>
                 <a:stretch>
                   <a:fillRect/>
                 </a:stretch>
@@ -3116,8 +3180,8 @@
             </p:nvSpPr>
             <p:spPr>
               <a:xfrm>
-                <a:off x="427705" y="1628033"/>
-                <a:ext cx="4291784" cy="1015663"/>
+                <a:off x="426229" y="1347731"/>
+                <a:ext cx="3170901" cy="769441"/>
               </a:xfrm>
               <a:prstGeom prst="rect">
                 <a:avLst/>
@@ -3138,13 +3202,13 @@
                     </m:oMathParaPr>
                     <m:oMath xmlns:m="http://schemas.openxmlformats.org/officeDocument/2006/math">
                       <m:r>
-                        <a:rPr lang="en-US" sz="6000" i="1" smtClean="0">
+                        <a:rPr lang="en-US" sz="4400" i="1" smtClean="0">
                           <a:gradFill>
                             <a:gsLst>
-                              <a:gs pos="0">
+                              <a:gs pos="25000">
                                 <a:schemeClr val="tx2">
-                                  <a:lumMod val="50000"/>
-                                  <a:lumOff val="50000"/>
+                                  <a:lumMod val="75000"/>
+                                  <a:lumOff val="25000"/>
                                 </a:schemeClr>
                               </a:gs>
                               <a:gs pos="100000">
@@ -3158,13 +3222,13 @@
                         <m:t>ℳ𝒸𝒞</m:t>
                       </m:r>
                       <m:r>
-                        <a:rPr lang="en-US" sz="6000" i="1">
+                        <a:rPr lang="en-US" sz="4400" i="1">
                           <a:gradFill>
                             <a:gsLst>
-                              <a:gs pos="0">
+                              <a:gs pos="25000">
                                 <a:schemeClr val="tx2">
-                                  <a:lumMod val="50000"/>
-                                  <a:lumOff val="50000"/>
+                                  <a:lumMod val="75000"/>
+                                  <a:lumOff val="25000"/>
                                 </a:schemeClr>
                               </a:gs>
                               <a:gs pos="100000">
@@ -3183,10 +3247,10 @@
                 <a:endParaRPr lang="en-US" sz="6000" dirty="0">
                   <a:gradFill>
                     <a:gsLst>
-                      <a:gs pos="0">
+                      <a:gs pos="25000">
                         <a:schemeClr val="tx2">
-                          <a:lumMod val="50000"/>
-                          <a:lumOff val="50000"/>
+                          <a:lumMod val="75000"/>
+                          <a:lumOff val="25000"/>
                         </a:schemeClr>
                       </a:gs>
                       <a:gs pos="100000">
@@ -3217,14 +3281,14 @@
             </p:nvSpPr>
             <p:spPr>
               <a:xfrm>
-                <a:off x="427705" y="1628033"/>
-                <a:ext cx="4291784" cy="1015663"/>
+                <a:off x="426229" y="1347731"/>
+                <a:ext cx="3170901" cy="769441"/>
               </a:xfrm>
               <a:prstGeom prst="rect">
                 <a:avLst/>
               </a:prstGeom>
               <a:blipFill>
-                <a:blip r:embed="rId3"/>
+                <a:blip r:embed="rId4"/>
                 <a:stretch>
                   <a:fillRect/>
                 </a:stretch>
@@ -3260,7 +3324,7 @@
           <p:nvPr/>
         </p:nvPicPr>
         <p:blipFill>
-          <a:blip r:embed="rId4">
+          <a:blip r:embed="rId5">
             <a:duotone>
               <a:schemeClr val="accent4">
                 <a:shade val="45000"/>
@@ -3268,7 +3332,7 @@
               </a:schemeClr>
               <a:prstClr val="white"/>
             </a:duotone>
-            <a:alphaModFix amt="25000"/>
+            <a:alphaModFix amt="35000"/>
             <a:extLst>
               <a:ext uri="{28A0092B-C50C-407E-A947-70E740481C1C}">
                 <a14:useLocalDpi xmlns:a14="http://schemas.microsoft.com/office/drawing/2010/main" val="0"/>
@@ -3281,8 +3345,8 @@
         </p:blipFill>
         <p:spPr>
           <a:xfrm>
-            <a:off x="3784937" y="182880"/>
-            <a:ext cx="1139551" cy="1139551"/>
+            <a:off x="2909911" y="233943"/>
+            <a:ext cx="867198" cy="867198"/>
           </a:xfrm>
           <a:prstGeom prst="rect">
             <a:avLst/>
@@ -3305,7 +3369,7 @@
           <p:nvPr/>
         </p:nvPicPr>
         <p:blipFill>
-          <a:blip r:embed="rId5">
+          <a:blip r:embed="rId6">
             <a:duotone>
               <a:schemeClr val="accent4">
                 <a:shade val="45000"/>
@@ -3313,7 +3377,7 @@
               </a:schemeClr>
               <a:prstClr val="white"/>
             </a:duotone>
-            <a:alphaModFix amt="25000"/>
+            <a:alphaModFix amt="35000"/>
             <a:extLst>
               <a:ext uri="{28A0092B-C50C-407E-A947-70E740481C1C}">
                 <a14:useLocalDpi xmlns:a14="http://schemas.microsoft.com/office/drawing/2010/main" val="0"/>
@@ -3326,8 +3390,8 @@
         </p:blipFill>
         <p:spPr>
           <a:xfrm>
-            <a:off x="319548" y="1502267"/>
-            <a:ext cx="1312607" cy="1312607"/>
+            <a:off x="182879" y="1396385"/>
+            <a:ext cx="998954" cy="998954"/>
           </a:xfrm>
           <a:prstGeom prst="rect">
             <a:avLst/>
@@ -3349,57 +3413,51 @@
         <p:spPr>
           <a:xfrm>
             <a:off x="182880" y="182880"/>
-            <a:ext cx="4800600" cy="2743200"/>
+            <a:ext cx="3657600" cy="2286000"/>
           </a:xfrm>
           <a:custGeom>
             <a:avLst/>
             <a:gdLst>
-              <a:gd name="connsiteX0" fmla="*/ 0 w 4800600"/>
-              <a:gd name="connsiteY0" fmla="*/ 0 h 2743200"/>
-              <a:gd name="connsiteX1" fmla="*/ 685800 w 4800600"/>
-              <a:gd name="connsiteY1" fmla="*/ 0 h 2743200"/>
-              <a:gd name="connsiteX2" fmla="*/ 1419606 w 4800600"/>
-              <a:gd name="connsiteY2" fmla="*/ 0 h 2743200"/>
-              <a:gd name="connsiteX3" fmla="*/ 2057400 w 4800600"/>
-              <a:gd name="connsiteY3" fmla="*/ 0 h 2743200"/>
-              <a:gd name="connsiteX4" fmla="*/ 2647188 w 4800600"/>
-              <a:gd name="connsiteY4" fmla="*/ 0 h 2743200"/>
-              <a:gd name="connsiteX5" fmla="*/ 3236976 w 4800600"/>
-              <a:gd name="connsiteY5" fmla="*/ 0 h 2743200"/>
-              <a:gd name="connsiteX6" fmla="*/ 3826764 w 4800600"/>
-              <a:gd name="connsiteY6" fmla="*/ 0 h 2743200"/>
-              <a:gd name="connsiteX7" fmla="*/ 4800600 w 4800600"/>
-              <a:gd name="connsiteY7" fmla="*/ 0 h 2743200"/>
-              <a:gd name="connsiteX8" fmla="*/ 4800600 w 4800600"/>
-              <a:gd name="connsiteY8" fmla="*/ 685800 h 2743200"/>
-              <a:gd name="connsiteX9" fmla="*/ 4800600 w 4800600"/>
-              <a:gd name="connsiteY9" fmla="*/ 1426464 h 2743200"/>
-              <a:gd name="connsiteX10" fmla="*/ 4800600 w 4800600"/>
-              <a:gd name="connsiteY10" fmla="*/ 2139696 h 2743200"/>
-              <a:gd name="connsiteX11" fmla="*/ 4800600 w 4800600"/>
-              <a:gd name="connsiteY11" fmla="*/ 2743200 h 2743200"/>
-              <a:gd name="connsiteX12" fmla="*/ 4162806 w 4800600"/>
-              <a:gd name="connsiteY12" fmla="*/ 2743200 h 2743200"/>
-              <a:gd name="connsiteX13" fmla="*/ 3477006 w 4800600"/>
-              <a:gd name="connsiteY13" fmla="*/ 2743200 h 2743200"/>
-              <a:gd name="connsiteX14" fmla="*/ 2743200 w 4800600"/>
-              <a:gd name="connsiteY14" fmla="*/ 2743200 h 2743200"/>
-              <a:gd name="connsiteX15" fmla="*/ 1961388 w 4800600"/>
-              <a:gd name="connsiteY15" fmla="*/ 2743200 h 2743200"/>
-              <a:gd name="connsiteX16" fmla="*/ 1419606 w 4800600"/>
-              <a:gd name="connsiteY16" fmla="*/ 2743200 h 2743200"/>
-              <a:gd name="connsiteX17" fmla="*/ 733806 w 4800600"/>
-              <a:gd name="connsiteY17" fmla="*/ 2743200 h 2743200"/>
-              <a:gd name="connsiteX18" fmla="*/ 0 w 4800600"/>
-              <a:gd name="connsiteY18" fmla="*/ 2743200 h 2743200"/>
-              <a:gd name="connsiteX19" fmla="*/ 0 w 4800600"/>
-              <a:gd name="connsiteY19" fmla="*/ 2112264 h 2743200"/>
-              <a:gd name="connsiteX20" fmla="*/ 0 w 4800600"/>
-              <a:gd name="connsiteY20" fmla="*/ 1426464 h 2743200"/>
-              <a:gd name="connsiteX21" fmla="*/ 0 w 4800600"/>
-              <a:gd name="connsiteY21" fmla="*/ 822960 h 2743200"/>
-              <a:gd name="connsiteX22" fmla="*/ 0 w 4800600"/>
-              <a:gd name="connsiteY22" fmla="*/ 0 h 2743200"/>
+              <a:gd name="connsiteX0" fmla="*/ 0 w 3657600"/>
+              <a:gd name="connsiteY0" fmla="*/ 0 h 2286000"/>
+              <a:gd name="connsiteX1" fmla="*/ 609600 w 3657600"/>
+              <a:gd name="connsiteY1" fmla="*/ 0 h 2286000"/>
+              <a:gd name="connsiteX2" fmla="*/ 1255776 w 3657600"/>
+              <a:gd name="connsiteY2" fmla="*/ 0 h 2286000"/>
+              <a:gd name="connsiteX3" fmla="*/ 1828800 w 3657600"/>
+              <a:gd name="connsiteY3" fmla="*/ 0 h 2286000"/>
+              <a:gd name="connsiteX4" fmla="*/ 2365248 w 3657600"/>
+              <a:gd name="connsiteY4" fmla="*/ 0 h 2286000"/>
+              <a:gd name="connsiteX5" fmla="*/ 2901696 w 3657600"/>
+              <a:gd name="connsiteY5" fmla="*/ 0 h 2286000"/>
+              <a:gd name="connsiteX6" fmla="*/ 3657600 w 3657600"/>
+              <a:gd name="connsiteY6" fmla="*/ 0 h 2286000"/>
+              <a:gd name="connsiteX7" fmla="*/ 3657600 w 3657600"/>
+              <a:gd name="connsiteY7" fmla="*/ 617220 h 2286000"/>
+              <a:gd name="connsiteX8" fmla="*/ 3657600 w 3657600"/>
+              <a:gd name="connsiteY8" fmla="*/ 1165860 h 2286000"/>
+              <a:gd name="connsiteX9" fmla="*/ 3657600 w 3657600"/>
+              <a:gd name="connsiteY9" fmla="*/ 1783080 h 2286000"/>
+              <a:gd name="connsiteX10" fmla="*/ 3657600 w 3657600"/>
+              <a:gd name="connsiteY10" fmla="*/ 2286000 h 2286000"/>
+              <a:gd name="connsiteX11" fmla="*/ 2974848 w 3657600"/>
+              <a:gd name="connsiteY11" fmla="*/ 2286000 h 2286000"/>
+              <a:gd name="connsiteX12" fmla="*/ 2401824 w 3657600"/>
+              <a:gd name="connsiteY12" fmla="*/ 2286000 h 2286000"/>
+              <a:gd name="connsiteX13" fmla="*/ 1792224 w 3657600"/>
+              <a:gd name="connsiteY13" fmla="*/ 2286000 h 2286000"/>
+              <a:gd name="connsiteX14" fmla="*/ 1146048 w 3657600"/>
+              <a:gd name="connsiteY14" fmla="*/ 2286000 h 2286000"/>
+              <a:gd name="connsiteX15" fmla="*/ 0 w 3657600"/>
+              <a:gd name="connsiteY15" fmla="*/ 2286000 h 2286000"/>
+              <a:gd name="connsiteX16" fmla="*/ 0 w 3657600"/>
+              <a:gd name="connsiteY16" fmla="*/ 1783080 h 2286000"/>
+              <a:gd name="connsiteX17" fmla="*/ 0 w 3657600"/>
+              <a:gd name="connsiteY17" fmla="*/ 1234440 h 2286000"/>
+              <a:gd name="connsiteX18" fmla="*/ 0 w 3657600"/>
+              <a:gd name="connsiteY18" fmla="*/ 708660 h 2286000"/>
+              <a:gd name="connsiteX19" fmla="*/ 0 w 3657600"/>
+              <a:gd name="connsiteY19" fmla="*/ 0 h 2286000"/>
             </a:gdLst>
             <a:ahLst/>
             <a:cxnLst>
@@ -3463,130 +3521,106 @@
               <a:cxn ang="0">
                 <a:pos x="connsiteX19" y="connsiteY19"/>
               </a:cxn>
-              <a:cxn ang="0">
-                <a:pos x="connsiteX20" y="connsiteY20"/>
-              </a:cxn>
-              <a:cxn ang="0">
-                <a:pos x="connsiteX21" y="connsiteY21"/>
-              </a:cxn>
-              <a:cxn ang="0">
-                <a:pos x="connsiteX22" y="connsiteY22"/>
-              </a:cxn>
             </a:cxnLst>
             <a:rect l="l" t="t" r="r" b="b"/>
             <a:pathLst>
-              <a:path w="4800600" h="2743200" extrusionOk="0">
+              <a:path w="3657600" h="2286000" extrusionOk="0">
                 <a:moveTo>
                   <a:pt x="0" y="0"/>
                 </a:moveTo>
                 <a:cubicBezTo>
-                  <a:pt x="225462" y="-24104"/>
-                  <a:pt x="516195" y="27305"/>
-                  <a:pt x="685800" y="0"/>
+                  <a:pt x="139598" y="17806"/>
+                  <a:pt x="477715" y="23495"/>
+                  <a:pt x="609600" y="0"/>
                 </a:cubicBezTo>
                 <a:cubicBezTo>
-                  <a:pt x="855405" y="-27305"/>
-                  <a:pt x="1214643" y="-772"/>
-                  <a:pt x="1419606" y="0"/>
+                  <a:pt x="741485" y="-23495"/>
+                  <a:pt x="1022975" y="-5686"/>
+                  <a:pt x="1255776" y="0"/>
                 </a:cubicBezTo>
                 <a:cubicBezTo>
-                  <a:pt x="1624569" y="772"/>
-                  <a:pt x="1882163" y="16847"/>
-                  <a:pt x="2057400" y="0"/>
+                  <a:pt x="1488577" y="5686"/>
+                  <a:pt x="1583455" y="15819"/>
+                  <a:pt x="1828800" y="0"/>
                 </a:cubicBezTo>
                 <a:cubicBezTo>
-                  <a:pt x="2232637" y="-16847"/>
-                  <a:pt x="2398884" y="1496"/>
-                  <a:pt x="2647188" y="0"/>
+                  <a:pt x="2074145" y="-15819"/>
+                  <a:pt x="2159126" y="21689"/>
+                  <a:pt x="2365248" y="0"/>
                 </a:cubicBezTo>
                 <a:cubicBezTo>
-                  <a:pt x="2895492" y="-1496"/>
-                  <a:pt x="2979156" y="-25626"/>
-                  <a:pt x="3236976" y="0"/>
+                  <a:pt x="2571370" y="-21689"/>
+                  <a:pt x="2766604" y="2797"/>
+                  <a:pt x="2901696" y="0"/>
                 </a:cubicBezTo>
                 <a:cubicBezTo>
-                  <a:pt x="3494796" y="25626"/>
-                  <a:pt x="3595758" y="26798"/>
-                  <a:pt x="3826764" y="0"/>
+                  <a:pt x="3036788" y="-2797"/>
+                  <a:pt x="3423285" y="12091"/>
+                  <a:pt x="3657600" y="0"/>
                 </a:cubicBezTo>
                 <a:cubicBezTo>
-                  <a:pt x="4057770" y="-26798"/>
-                  <a:pt x="4520304" y="-24412"/>
-                  <a:pt x="4800600" y="0"/>
+                  <a:pt x="3658695" y="187111"/>
+                  <a:pt x="3627544" y="460461"/>
+                  <a:pt x="3657600" y="617220"/>
                 </a:cubicBezTo>
                 <a:cubicBezTo>
-                  <a:pt x="4777462" y="292516"/>
-                  <a:pt x="4789154" y="383974"/>
-                  <a:pt x="4800600" y="685800"/>
+                  <a:pt x="3687656" y="773979"/>
+                  <a:pt x="3666728" y="1011962"/>
+                  <a:pt x="3657600" y="1165860"/>
                 </a:cubicBezTo>
                 <a:cubicBezTo>
-                  <a:pt x="4812046" y="987626"/>
-                  <a:pt x="4778329" y="1235001"/>
-                  <a:pt x="4800600" y="1426464"/>
+                  <a:pt x="3648472" y="1319758"/>
+                  <a:pt x="3666190" y="1504300"/>
+                  <a:pt x="3657600" y="1783080"/>
                 </a:cubicBezTo>
                 <a:cubicBezTo>
-                  <a:pt x="4822871" y="1617927"/>
-                  <a:pt x="4804860" y="1825626"/>
-                  <a:pt x="4800600" y="2139696"/>
+                  <a:pt x="3649010" y="2061860"/>
+                  <a:pt x="3641286" y="2041262"/>
+                  <a:pt x="3657600" y="2286000"/>
                 </a:cubicBezTo>
                 <a:cubicBezTo>
-                  <a:pt x="4796340" y="2453766"/>
-                  <a:pt x="4820121" y="2555275"/>
-                  <a:pt x="4800600" y="2743200"/>
+                  <a:pt x="3453771" y="2304606"/>
+                  <a:pt x="3250517" y="2279229"/>
+                  <a:pt x="2974848" y="2286000"/>
                 </a:cubicBezTo>
                 <a:cubicBezTo>
-                  <a:pt x="4495707" y="2762889"/>
-                  <a:pt x="4472602" y="2758676"/>
-                  <a:pt x="4162806" y="2743200"/>
+                  <a:pt x="2699179" y="2292771"/>
+                  <a:pt x="2521393" y="2282388"/>
+                  <a:pt x="2401824" y="2286000"/>
                 </a:cubicBezTo>
                 <a:cubicBezTo>
-                  <a:pt x="3853010" y="2727724"/>
-                  <a:pt x="3802300" y="2774081"/>
-                  <a:pt x="3477006" y="2743200"/>
+                  <a:pt x="2282255" y="2289612"/>
+                  <a:pt x="1920642" y="2267351"/>
+                  <a:pt x="1792224" y="2286000"/>
                 </a:cubicBezTo>
                 <a:cubicBezTo>
-                  <a:pt x="3151712" y="2712319"/>
-                  <a:pt x="2997403" y="2771143"/>
-                  <a:pt x="2743200" y="2743200"/>
+                  <a:pt x="1663806" y="2304649"/>
+                  <a:pt x="1328324" y="2306589"/>
+                  <a:pt x="1146048" y="2286000"/>
                 </a:cubicBezTo>
                 <a:cubicBezTo>
-                  <a:pt x="2488997" y="2715257"/>
-                  <a:pt x="2173877" y="2769994"/>
-                  <a:pt x="1961388" y="2743200"/>
+                  <a:pt x="963772" y="2265411"/>
+                  <a:pt x="265769" y="2268217"/>
+                  <a:pt x="0" y="2286000"/>
                 </a:cubicBezTo>
                 <a:cubicBezTo>
-                  <a:pt x="1748899" y="2716406"/>
-                  <a:pt x="1673048" y="2764097"/>
-                  <a:pt x="1419606" y="2743200"/>
+                  <a:pt x="-14610" y="2113258"/>
+                  <a:pt x="-18026" y="1987678"/>
+                  <a:pt x="0" y="1783080"/>
                 </a:cubicBezTo>
                 <a:cubicBezTo>
-                  <a:pt x="1166164" y="2722303"/>
-                  <a:pt x="1017042" y="2719708"/>
-                  <a:pt x="733806" y="2743200"/>
+                  <a:pt x="18026" y="1578482"/>
+                  <a:pt x="-20552" y="1395696"/>
+                  <a:pt x="0" y="1234440"/>
                 </a:cubicBezTo>
                 <a:cubicBezTo>
-                  <a:pt x="450570" y="2766692"/>
-                  <a:pt x="312246" y="2725083"/>
-                  <a:pt x="0" y="2743200"/>
+                  <a:pt x="20552" y="1073184"/>
+                  <a:pt x="-23284" y="911557"/>
+                  <a:pt x="0" y="708660"/>
                 </a:cubicBezTo>
                 <a:cubicBezTo>
-                  <a:pt x="26524" y="2535284"/>
-                  <a:pt x="-4939" y="2360024"/>
-                  <a:pt x="0" y="2112264"/>
-                </a:cubicBezTo>
-                <a:cubicBezTo>
-                  <a:pt x="4939" y="1864504"/>
-                  <a:pt x="-16677" y="1737146"/>
-                  <a:pt x="0" y="1426464"/>
-                </a:cubicBezTo>
-                <a:cubicBezTo>
-                  <a:pt x="16677" y="1115782"/>
-                  <a:pt x="2208" y="947126"/>
-                  <a:pt x="0" y="822960"/>
-                </a:cubicBezTo>
-                <a:cubicBezTo>
-                  <a:pt x="-2208" y="698794"/>
-                  <a:pt x="39700" y="347269"/>
+                  <a:pt x="23284" y="505763"/>
+                  <a:pt x="32780" y="232595"/>
                   <a:pt x="0" y="0"/>
                 </a:cubicBezTo>
                 <a:close/>
@@ -3605,8 +3639,8 @@
                 </a:gs>
                 <a:gs pos="50000">
                   <a:schemeClr val="tx2">
-                    <a:lumMod val="50000"/>
-                    <a:lumOff val="50000"/>
+                    <a:lumMod val="75000"/>
+                    <a:lumOff val="25000"/>
                   </a:schemeClr>
                 </a:gs>
               </a:gsLst>

--- a/Images/Nametag.pptx
+++ b/Images/Nametag.pptx
@@ -3035,8 +3035,8 @@
             </p:nvSpPr>
             <p:spPr>
               <a:xfrm>
-                <a:off x="377562" y="501022"/>
-                <a:ext cx="3977150" cy="769441"/>
+                <a:off x="456218" y="540350"/>
+                <a:ext cx="3977150" cy="830997"/>
               </a:xfrm>
               <a:prstGeom prst="rect">
                 <a:avLst/>
@@ -3057,7 +3057,7 @@
                     </m:oMathParaPr>
                     <m:oMath xmlns:m="http://schemas.openxmlformats.org/officeDocument/2006/math">
                       <m:r>
-                        <a:rPr lang="en-US" sz="4400" i="1" smtClean="0">
+                        <a:rPr lang="en-US" sz="4800" i="1" smtClean="0">
                           <a:gradFill>
                             <a:gsLst>
                               <a:gs pos="0">
@@ -3074,32 +3074,12 @@
                           </a:gradFill>
                           <a:latin typeface="Cambria Math" panose="02040503050406030204" pitchFamily="18" charset="0"/>
                         </a:rPr>
-                        <m:t>ℛℴ𝒹𝓃</m:t>
-                      </m:r>
-                      <m:r>
-                        <a:rPr lang="en-US" sz="4400" i="1" smtClean="0">
-                          <a:gradFill>
-                            <a:gsLst>
-                              <a:gs pos="0">
-                                <a:schemeClr val="tx1"/>
-                              </a:gs>
-                              <a:gs pos="75000">
-                                <a:schemeClr val="tx2">
-                                  <a:lumMod val="75000"/>
-                                  <a:lumOff val="25000"/>
-                                </a:schemeClr>
-                              </a:gs>
-                            </a:gsLst>
-                            <a:lin ang="2700000" scaled="0"/>
-                          </a:gradFill>
-                          <a:latin typeface="Cambria Math" panose="02040503050406030204" pitchFamily="18" charset="0"/>
-                        </a:rPr>
-                        <m:t>ℯ𝓎</m:t>
+                        <m:t>ℛℴ𝒹𝓃ℯ𝓎</m:t>
                       </m:r>
                     </m:oMath>
                   </m:oMathPara>
                 </a14:m>
-                <a:endParaRPr lang="en-US" sz="6000" dirty="0">
+                <a:endParaRPr lang="en-US" sz="6600" dirty="0">
                   <a:gradFill>
                     <a:gsLst>
                       <a:gs pos="0">
@@ -3136,8 +3116,8 @@
             </p:nvSpPr>
             <p:spPr>
               <a:xfrm>
-                <a:off x="377562" y="501022"/>
-                <a:ext cx="3977150" cy="769441"/>
+                <a:off x="456218" y="540350"/>
+                <a:ext cx="3977150" cy="830997"/>
               </a:xfrm>
               <a:prstGeom prst="rect">
                 <a:avLst/>
@@ -3180,8 +3160,8 @@
             </p:nvSpPr>
             <p:spPr>
               <a:xfrm>
-                <a:off x="426229" y="1347731"/>
-                <a:ext cx="3170901" cy="769441"/>
+                <a:off x="613037" y="1308403"/>
+                <a:ext cx="3170901" cy="830997"/>
               </a:xfrm>
               <a:prstGeom prst="rect">
                 <a:avLst/>
@@ -3202,7 +3182,7 @@
                     </m:oMathParaPr>
                     <m:oMath xmlns:m="http://schemas.openxmlformats.org/officeDocument/2006/math">
                       <m:r>
-                        <a:rPr lang="en-US" sz="4400" i="1" smtClean="0">
+                        <a:rPr lang="en-US" sz="4800" i="1" smtClean="0">
                           <a:gradFill>
                             <a:gsLst>
                               <a:gs pos="25000">
@@ -3222,7 +3202,7 @@
                         <m:t>ℳ𝒸𝒞</m:t>
                       </m:r>
                       <m:r>
-                        <a:rPr lang="en-US" sz="4400" i="1">
+                        <a:rPr lang="en-US" sz="4800" i="1">
                           <a:gradFill>
                             <a:gsLst>
                               <a:gs pos="25000">
@@ -3244,7 +3224,7 @@
                     </m:oMath>
                   </m:oMathPara>
                 </a14:m>
-                <a:endParaRPr lang="en-US" sz="6000" dirty="0">
+                <a:endParaRPr lang="en-US" sz="6600" dirty="0">
                   <a:gradFill>
                     <a:gsLst>
                       <a:gs pos="25000">
@@ -3281,8 +3261,8 @@
             </p:nvSpPr>
             <p:spPr>
               <a:xfrm>
-                <a:off x="426229" y="1347731"/>
-                <a:ext cx="3170901" cy="769441"/>
+                <a:off x="613037" y="1308403"/>
+                <a:ext cx="3170901" cy="830997"/>
               </a:xfrm>
               <a:prstGeom prst="rect">
                 <a:avLst/>
@@ -3413,51 +3393,51 @@
         <p:spPr>
           <a:xfrm>
             <a:off x="182880" y="182880"/>
-            <a:ext cx="3657600" cy="2286000"/>
+            <a:ext cx="3931920" cy="2377440"/>
           </a:xfrm>
           <a:custGeom>
             <a:avLst/>
             <a:gdLst>
-              <a:gd name="connsiteX0" fmla="*/ 0 w 3657600"/>
-              <a:gd name="connsiteY0" fmla="*/ 0 h 2286000"/>
-              <a:gd name="connsiteX1" fmla="*/ 609600 w 3657600"/>
-              <a:gd name="connsiteY1" fmla="*/ 0 h 2286000"/>
-              <a:gd name="connsiteX2" fmla="*/ 1255776 w 3657600"/>
-              <a:gd name="connsiteY2" fmla="*/ 0 h 2286000"/>
-              <a:gd name="connsiteX3" fmla="*/ 1828800 w 3657600"/>
-              <a:gd name="connsiteY3" fmla="*/ 0 h 2286000"/>
-              <a:gd name="connsiteX4" fmla="*/ 2365248 w 3657600"/>
-              <a:gd name="connsiteY4" fmla="*/ 0 h 2286000"/>
-              <a:gd name="connsiteX5" fmla="*/ 2901696 w 3657600"/>
-              <a:gd name="connsiteY5" fmla="*/ 0 h 2286000"/>
-              <a:gd name="connsiteX6" fmla="*/ 3657600 w 3657600"/>
-              <a:gd name="connsiteY6" fmla="*/ 0 h 2286000"/>
-              <a:gd name="connsiteX7" fmla="*/ 3657600 w 3657600"/>
-              <a:gd name="connsiteY7" fmla="*/ 617220 h 2286000"/>
-              <a:gd name="connsiteX8" fmla="*/ 3657600 w 3657600"/>
-              <a:gd name="connsiteY8" fmla="*/ 1165860 h 2286000"/>
-              <a:gd name="connsiteX9" fmla="*/ 3657600 w 3657600"/>
-              <a:gd name="connsiteY9" fmla="*/ 1783080 h 2286000"/>
-              <a:gd name="connsiteX10" fmla="*/ 3657600 w 3657600"/>
-              <a:gd name="connsiteY10" fmla="*/ 2286000 h 2286000"/>
-              <a:gd name="connsiteX11" fmla="*/ 2974848 w 3657600"/>
-              <a:gd name="connsiteY11" fmla="*/ 2286000 h 2286000"/>
-              <a:gd name="connsiteX12" fmla="*/ 2401824 w 3657600"/>
-              <a:gd name="connsiteY12" fmla="*/ 2286000 h 2286000"/>
-              <a:gd name="connsiteX13" fmla="*/ 1792224 w 3657600"/>
-              <a:gd name="connsiteY13" fmla="*/ 2286000 h 2286000"/>
-              <a:gd name="connsiteX14" fmla="*/ 1146048 w 3657600"/>
-              <a:gd name="connsiteY14" fmla="*/ 2286000 h 2286000"/>
-              <a:gd name="connsiteX15" fmla="*/ 0 w 3657600"/>
-              <a:gd name="connsiteY15" fmla="*/ 2286000 h 2286000"/>
-              <a:gd name="connsiteX16" fmla="*/ 0 w 3657600"/>
-              <a:gd name="connsiteY16" fmla="*/ 1783080 h 2286000"/>
-              <a:gd name="connsiteX17" fmla="*/ 0 w 3657600"/>
-              <a:gd name="connsiteY17" fmla="*/ 1234440 h 2286000"/>
-              <a:gd name="connsiteX18" fmla="*/ 0 w 3657600"/>
-              <a:gd name="connsiteY18" fmla="*/ 708660 h 2286000"/>
-              <a:gd name="connsiteX19" fmla="*/ 0 w 3657600"/>
-              <a:gd name="connsiteY19" fmla="*/ 0 h 2286000"/>
+              <a:gd name="connsiteX0" fmla="*/ 0 w 3931920"/>
+              <a:gd name="connsiteY0" fmla="*/ 0 h 2377440"/>
+              <a:gd name="connsiteX1" fmla="*/ 655320 w 3931920"/>
+              <a:gd name="connsiteY1" fmla="*/ 0 h 2377440"/>
+              <a:gd name="connsiteX2" fmla="*/ 1349959 w 3931920"/>
+              <a:gd name="connsiteY2" fmla="*/ 0 h 2377440"/>
+              <a:gd name="connsiteX3" fmla="*/ 1965960 w 3931920"/>
+              <a:gd name="connsiteY3" fmla="*/ 0 h 2377440"/>
+              <a:gd name="connsiteX4" fmla="*/ 2542642 w 3931920"/>
+              <a:gd name="connsiteY4" fmla="*/ 0 h 2377440"/>
+              <a:gd name="connsiteX5" fmla="*/ 3119323 w 3931920"/>
+              <a:gd name="connsiteY5" fmla="*/ 0 h 2377440"/>
+              <a:gd name="connsiteX6" fmla="*/ 3931920 w 3931920"/>
+              <a:gd name="connsiteY6" fmla="*/ 0 h 2377440"/>
+              <a:gd name="connsiteX7" fmla="*/ 3931920 w 3931920"/>
+              <a:gd name="connsiteY7" fmla="*/ 641909 h 2377440"/>
+              <a:gd name="connsiteX8" fmla="*/ 3931920 w 3931920"/>
+              <a:gd name="connsiteY8" fmla="*/ 1212494 h 2377440"/>
+              <a:gd name="connsiteX9" fmla="*/ 3931920 w 3931920"/>
+              <a:gd name="connsiteY9" fmla="*/ 1854403 h 2377440"/>
+              <a:gd name="connsiteX10" fmla="*/ 3931920 w 3931920"/>
+              <a:gd name="connsiteY10" fmla="*/ 2377440 h 2377440"/>
+              <a:gd name="connsiteX11" fmla="*/ 3197962 w 3931920"/>
+              <a:gd name="connsiteY11" fmla="*/ 2377440 h 2377440"/>
+              <a:gd name="connsiteX12" fmla="*/ 2581961 w 3931920"/>
+              <a:gd name="connsiteY12" fmla="*/ 2377440 h 2377440"/>
+              <a:gd name="connsiteX13" fmla="*/ 1926641 w 3931920"/>
+              <a:gd name="connsiteY13" fmla="*/ 2377440 h 2377440"/>
+              <a:gd name="connsiteX14" fmla="*/ 1232002 w 3931920"/>
+              <a:gd name="connsiteY14" fmla="*/ 2377440 h 2377440"/>
+              <a:gd name="connsiteX15" fmla="*/ 0 w 3931920"/>
+              <a:gd name="connsiteY15" fmla="*/ 2377440 h 2377440"/>
+              <a:gd name="connsiteX16" fmla="*/ 0 w 3931920"/>
+              <a:gd name="connsiteY16" fmla="*/ 1854403 h 2377440"/>
+              <a:gd name="connsiteX17" fmla="*/ 0 w 3931920"/>
+              <a:gd name="connsiteY17" fmla="*/ 1283818 h 2377440"/>
+              <a:gd name="connsiteX18" fmla="*/ 0 w 3931920"/>
+              <a:gd name="connsiteY18" fmla="*/ 737006 h 2377440"/>
+              <a:gd name="connsiteX19" fmla="*/ 0 w 3931920"/>
+              <a:gd name="connsiteY19" fmla="*/ 0 h 2377440"/>
             </a:gdLst>
             <a:ahLst/>
             <a:cxnLst>
@@ -3524,103 +3504,103 @@
             </a:cxnLst>
             <a:rect l="l" t="t" r="r" b="b"/>
             <a:pathLst>
-              <a:path w="3657600" h="2286000" extrusionOk="0">
+              <a:path w="3931920" h="2377440" extrusionOk="0">
                 <a:moveTo>
                   <a:pt x="0" y="0"/>
                 </a:moveTo>
                 <a:cubicBezTo>
-                  <a:pt x="139598" y="17806"/>
-                  <a:pt x="477715" y="23495"/>
-                  <a:pt x="609600" y="0"/>
+                  <a:pt x="300902" y="20092"/>
+                  <a:pt x="381941" y="-30607"/>
+                  <a:pt x="655320" y="0"/>
                 </a:cubicBezTo>
                 <a:cubicBezTo>
-                  <a:pt x="741485" y="-23495"/>
-                  <a:pt x="1022975" y="-5686"/>
-                  <a:pt x="1255776" y="0"/>
+                  <a:pt x="928699" y="30607"/>
+                  <a:pt x="1017414" y="30867"/>
+                  <a:pt x="1349959" y="0"/>
                 </a:cubicBezTo>
                 <a:cubicBezTo>
-                  <a:pt x="1488577" y="5686"/>
-                  <a:pt x="1583455" y="15819"/>
-                  <a:pt x="1828800" y="0"/>
+                  <a:pt x="1682504" y="-30867"/>
+                  <a:pt x="1742398" y="22708"/>
+                  <a:pt x="1965960" y="0"/>
                 </a:cubicBezTo>
                 <a:cubicBezTo>
-                  <a:pt x="2074145" y="-15819"/>
-                  <a:pt x="2159126" y="21689"/>
-                  <a:pt x="2365248" y="0"/>
+                  <a:pt x="2189522" y="-22708"/>
+                  <a:pt x="2304106" y="-3766"/>
+                  <a:pt x="2542642" y="0"/>
                 </a:cubicBezTo>
                 <a:cubicBezTo>
-                  <a:pt x="2571370" y="-21689"/>
-                  <a:pt x="2766604" y="2797"/>
-                  <a:pt x="2901696" y="0"/>
+                  <a:pt x="2781178" y="3766"/>
+                  <a:pt x="2988909" y="23582"/>
+                  <a:pt x="3119323" y="0"/>
                 </a:cubicBezTo>
                 <a:cubicBezTo>
-                  <a:pt x="3036788" y="-2797"/>
-                  <a:pt x="3423285" y="12091"/>
-                  <a:pt x="3657600" y="0"/>
+                  <a:pt x="3249737" y="-23582"/>
+                  <a:pt x="3657997" y="12019"/>
+                  <a:pt x="3931920" y="0"/>
                 </a:cubicBezTo>
                 <a:cubicBezTo>
-                  <a:pt x="3658695" y="187111"/>
-                  <a:pt x="3627544" y="460461"/>
-                  <a:pt x="3657600" y="617220"/>
+                  <a:pt x="3918094" y="288175"/>
+                  <a:pt x="3901170" y="487612"/>
+                  <a:pt x="3931920" y="641909"/>
                 </a:cubicBezTo>
                 <a:cubicBezTo>
-                  <a:pt x="3687656" y="773979"/>
-                  <a:pt x="3666728" y="1011962"/>
-                  <a:pt x="3657600" y="1165860"/>
+                  <a:pt x="3962670" y="796206"/>
+                  <a:pt x="3911613" y="1050742"/>
+                  <a:pt x="3931920" y="1212494"/>
                 </a:cubicBezTo>
                 <a:cubicBezTo>
-                  <a:pt x="3648472" y="1319758"/>
-                  <a:pt x="3666190" y="1504300"/>
-                  <a:pt x="3657600" y="1783080"/>
+                  <a:pt x="3952227" y="1374246"/>
+                  <a:pt x="3949172" y="1577987"/>
+                  <a:pt x="3931920" y="1854403"/>
                 </a:cubicBezTo>
                 <a:cubicBezTo>
-                  <a:pt x="3649010" y="2061860"/>
-                  <a:pt x="3641286" y="2041262"/>
-                  <a:pt x="3657600" y="2286000"/>
+                  <a:pt x="3914668" y="2130819"/>
+                  <a:pt x="3926782" y="2152451"/>
+                  <a:pt x="3931920" y="2377440"/>
                 </a:cubicBezTo>
                 <a:cubicBezTo>
-                  <a:pt x="3453771" y="2304606"/>
-                  <a:pt x="3250517" y="2279229"/>
-                  <a:pt x="2974848" y="2286000"/>
+                  <a:pt x="3711346" y="2407290"/>
+                  <a:pt x="3495779" y="2366183"/>
+                  <a:pt x="3197962" y="2377440"/>
                 </a:cubicBezTo>
                 <a:cubicBezTo>
-                  <a:pt x="2699179" y="2292771"/>
-                  <a:pt x="2521393" y="2282388"/>
-                  <a:pt x="2401824" y="2286000"/>
+                  <a:pt x="2900145" y="2388697"/>
+                  <a:pt x="2705591" y="2385322"/>
+                  <a:pt x="2581961" y="2377440"/>
                 </a:cubicBezTo>
                 <a:cubicBezTo>
-                  <a:pt x="2282255" y="2289612"/>
-                  <a:pt x="1920642" y="2267351"/>
-                  <a:pt x="1792224" y="2286000"/>
+                  <a:pt x="2458331" y="2369558"/>
+                  <a:pt x="2196010" y="2376317"/>
+                  <a:pt x="1926641" y="2377440"/>
                 </a:cubicBezTo>
                 <a:cubicBezTo>
-                  <a:pt x="1663806" y="2304649"/>
-                  <a:pt x="1328324" y="2306589"/>
-                  <a:pt x="1146048" y="2286000"/>
+                  <a:pt x="1657272" y="2378563"/>
+                  <a:pt x="1553373" y="2343200"/>
+                  <a:pt x="1232002" y="2377440"/>
                 </a:cubicBezTo>
                 <a:cubicBezTo>
-                  <a:pt x="963772" y="2265411"/>
-                  <a:pt x="265769" y="2268217"/>
-                  <a:pt x="0" y="2286000"/>
+                  <a:pt x="910631" y="2411680"/>
+                  <a:pt x="446633" y="2349756"/>
+                  <a:pt x="0" y="2377440"/>
                 </a:cubicBezTo>
                 <a:cubicBezTo>
-                  <a:pt x="-14610" y="2113258"/>
-                  <a:pt x="-18026" y="1987678"/>
-                  <a:pt x="0" y="1783080"/>
+                  <a:pt x="99" y="2195049"/>
+                  <a:pt x="-23238" y="2015033"/>
+                  <a:pt x="0" y="1854403"/>
                 </a:cubicBezTo>
                 <a:cubicBezTo>
-                  <a:pt x="18026" y="1578482"/>
-                  <a:pt x="-20552" y="1395696"/>
-                  <a:pt x="0" y="1234440"/>
+                  <a:pt x="23238" y="1693773"/>
+                  <a:pt x="-13584" y="1464962"/>
+                  <a:pt x="0" y="1283818"/>
                 </a:cubicBezTo>
                 <a:cubicBezTo>
-                  <a:pt x="20552" y="1073184"/>
-                  <a:pt x="-23284" y="911557"/>
-                  <a:pt x="0" y="708660"/>
+                  <a:pt x="13584" y="1102674"/>
+                  <a:pt x="-26640" y="850410"/>
+                  <a:pt x="0" y="737006"/>
                 </a:cubicBezTo>
                 <a:cubicBezTo>
-                  <a:pt x="23284" y="505763"/>
-                  <a:pt x="32780" y="232595"/>
+                  <a:pt x="26640" y="623602"/>
+                  <a:pt x="1350" y="244388"/>
                   <a:pt x="0" y="0"/>
                 </a:cubicBezTo>
                 <a:close/>

--- a/Images/Nametag.pptx
+++ b/Images/Nametag.pptx
@@ -243,7 +243,7 @@
           <a:p>
             <a:fld id="{28EFB4E1-C6B5-4DBB-919B-A00C398F752B}" type="datetimeFigureOut">
               <a:rPr lang="en-US" smtClean="0"/>
-              <a:t>8/17/2024</a:t>
+              <a:t>8/26/2024</a:t>
             </a:fld>
             <a:endParaRPr lang="en-US"/>
           </a:p>
@@ -413,7 +413,7 @@
           <a:p>
             <a:fld id="{28EFB4E1-C6B5-4DBB-919B-A00C398F752B}" type="datetimeFigureOut">
               <a:rPr lang="en-US" smtClean="0"/>
-              <a:t>8/17/2024</a:t>
+              <a:t>8/26/2024</a:t>
             </a:fld>
             <a:endParaRPr lang="en-US"/>
           </a:p>
@@ -593,7 +593,7 @@
           <a:p>
             <a:fld id="{28EFB4E1-C6B5-4DBB-919B-A00C398F752B}" type="datetimeFigureOut">
               <a:rPr lang="en-US" smtClean="0"/>
-              <a:t>8/17/2024</a:t>
+              <a:t>8/26/2024</a:t>
             </a:fld>
             <a:endParaRPr lang="en-US"/>
           </a:p>
@@ -763,7 +763,7 @@
           <a:p>
             <a:fld id="{28EFB4E1-C6B5-4DBB-919B-A00C398F752B}" type="datetimeFigureOut">
               <a:rPr lang="en-US" smtClean="0"/>
-              <a:t>8/17/2024</a:t>
+              <a:t>8/26/2024</a:t>
             </a:fld>
             <a:endParaRPr lang="en-US"/>
           </a:p>
@@ -1009,7 +1009,7 @@
           <a:p>
             <a:fld id="{28EFB4E1-C6B5-4DBB-919B-A00C398F752B}" type="datetimeFigureOut">
               <a:rPr lang="en-US" smtClean="0"/>
-              <a:t>8/17/2024</a:t>
+              <a:t>8/26/2024</a:t>
             </a:fld>
             <a:endParaRPr lang="en-US"/>
           </a:p>
@@ -1241,7 +1241,7 @@
           <a:p>
             <a:fld id="{28EFB4E1-C6B5-4DBB-919B-A00C398F752B}" type="datetimeFigureOut">
               <a:rPr lang="en-US" smtClean="0"/>
-              <a:t>8/17/2024</a:t>
+              <a:t>8/26/2024</a:t>
             </a:fld>
             <a:endParaRPr lang="en-US"/>
           </a:p>
@@ -1608,7 +1608,7 @@
           <a:p>
             <a:fld id="{28EFB4E1-C6B5-4DBB-919B-A00C398F752B}" type="datetimeFigureOut">
               <a:rPr lang="en-US" smtClean="0"/>
-              <a:t>8/17/2024</a:t>
+              <a:t>8/26/2024</a:t>
             </a:fld>
             <a:endParaRPr lang="en-US"/>
           </a:p>
@@ -1726,7 +1726,7 @@
           <a:p>
             <a:fld id="{28EFB4E1-C6B5-4DBB-919B-A00C398F752B}" type="datetimeFigureOut">
               <a:rPr lang="en-US" smtClean="0"/>
-              <a:t>8/17/2024</a:t>
+              <a:t>8/26/2024</a:t>
             </a:fld>
             <a:endParaRPr lang="en-US"/>
           </a:p>
@@ -1821,7 +1821,7 @@
           <a:p>
             <a:fld id="{28EFB4E1-C6B5-4DBB-919B-A00C398F752B}" type="datetimeFigureOut">
               <a:rPr lang="en-US" smtClean="0"/>
-              <a:t>8/17/2024</a:t>
+              <a:t>8/26/2024</a:t>
             </a:fld>
             <a:endParaRPr lang="en-US"/>
           </a:p>
@@ -2098,7 +2098,7 @@
           <a:p>
             <a:fld id="{28EFB4E1-C6B5-4DBB-919B-A00C398F752B}" type="datetimeFigureOut">
               <a:rPr lang="en-US" smtClean="0"/>
-              <a:t>8/17/2024</a:t>
+              <a:t>8/26/2024</a:t>
             </a:fld>
             <a:endParaRPr lang="en-US"/>
           </a:p>
@@ -2355,7 +2355,7 @@
           <a:p>
             <a:fld id="{28EFB4E1-C6B5-4DBB-919B-A00C398F752B}" type="datetimeFigureOut">
               <a:rPr lang="en-US" smtClean="0"/>
-              <a:t>8/17/2024</a:t>
+              <a:t>8/26/2024</a:t>
             </a:fld>
             <a:endParaRPr lang="en-US"/>
           </a:p>
@@ -2568,7 +2568,7 @@
           <a:p>
             <a:fld id="{28EFB4E1-C6B5-4DBB-919B-A00C398F752B}" type="datetimeFigureOut">
               <a:rPr lang="en-US" smtClean="0"/>
-              <a:t>8/17/2024</a:t>
+              <a:t>8/26/2024</a:t>
             </a:fld>
             <a:endParaRPr lang="en-US"/>
           </a:p>
@@ -3009,16 +3009,16 @@
         </p:blipFill>
         <p:spPr>
           <a:xfrm>
-            <a:off x="377562" y="-347222"/>
-            <a:ext cx="3526288" cy="3235369"/>
+            <a:off x="182878" y="-689092"/>
+            <a:ext cx="4354213" cy="3994990"/>
           </a:xfrm>
           <a:prstGeom prst="rect">
             <a:avLst/>
           </a:prstGeom>
         </p:spPr>
       </p:pic>
-      <mc:AlternateContent xmlns:mc="http://schemas.openxmlformats.org/markup-compatibility/2006">
-        <mc:Choice xmlns:a14="http://schemas.microsoft.com/office/drawing/2010/main" Requires="a14">
+      <mc:AlternateContent xmlns:mc="http://schemas.openxmlformats.org/markup-compatibility/2006" xmlns:a14="http://schemas.microsoft.com/office/drawing/2010/main">
+        <mc:Choice Requires="a14">
           <p:sp>
             <p:nvSpPr>
               <p:cNvPr id="6" name="TextBox 5">
@@ -3099,7 +3099,7 @@
             </p:txBody>
           </p:sp>
         </mc:Choice>
-        <mc:Fallback>
+        <mc:Fallback xmlns="">
           <p:sp>
             <p:nvSpPr>
               <p:cNvPr id="6" name="TextBox 5">
@@ -3144,8 +3144,8 @@
           </p:sp>
         </mc:Fallback>
       </mc:AlternateContent>
-      <mc:AlternateContent xmlns:mc="http://schemas.openxmlformats.org/markup-compatibility/2006">
-        <mc:Choice xmlns:a14="http://schemas.microsoft.com/office/drawing/2010/main" Requires="a14">
+      <mc:AlternateContent xmlns:mc="http://schemas.openxmlformats.org/markup-compatibility/2006" xmlns:a14="http://schemas.microsoft.com/office/drawing/2010/main">
+        <mc:Choice Requires="a14">
           <p:sp>
             <p:nvSpPr>
               <p:cNvPr id="7" name="TextBox 6">
@@ -3244,7 +3244,7 @@
             </p:txBody>
           </p:sp>
         </mc:Choice>
-        <mc:Fallback>
+        <mc:Fallback xmlns="">
           <p:sp>
             <p:nvSpPr>
               <p:cNvPr id="7" name="TextBox 6">
@@ -3325,8 +3325,8 @@
         </p:blipFill>
         <p:spPr>
           <a:xfrm>
-            <a:off x="2909911" y="233943"/>
-            <a:ext cx="867198" cy="867198"/>
+            <a:off x="3198109" y="397324"/>
+            <a:ext cx="585829" cy="585829"/>
           </a:xfrm>
           <a:prstGeom prst="rect">
             <a:avLst/>
@@ -3350,13 +3350,6 @@
         </p:nvPicPr>
         <p:blipFill>
           <a:blip r:embed="rId6">
-            <a:duotone>
-              <a:schemeClr val="accent4">
-                <a:shade val="45000"/>
-                <a:satMod val="135000"/>
-              </a:schemeClr>
-              <a:prstClr val="white"/>
-            </a:duotone>
             <a:alphaModFix amt="35000"/>
             <a:extLst>
               <a:ext uri="{28A0092B-C50C-407E-A947-70E740481C1C}">
@@ -3370,8 +3363,8 @@
         </p:blipFill>
         <p:spPr>
           <a:xfrm>
-            <a:off x="182879" y="1396385"/>
-            <a:ext cx="998954" cy="998954"/>
+            <a:off x="456218" y="1521630"/>
+            <a:ext cx="721689" cy="721689"/>
           </a:xfrm>
           <a:prstGeom prst="rect">
             <a:avLst/>
